--- a/Project 1/Project 1 Slides.pptx
+++ b/Project 1/Project 1 Slides.pptx
@@ -137,7 +137,7 @@
   <pc:docChgLst>
     <pc:chgData name="ko weizhe" userId="deca01452a8f5901" providerId="LiveId" clId="{ADB140C8-2A3D-45AA-987E-B74E9BA57079}"/>
     <pc:docChg chg="undo redo custSel addSld delSld modSld sldOrd">
-      <pc:chgData name="ko weizhe" userId="deca01452a8f5901" providerId="LiveId" clId="{ADB140C8-2A3D-45AA-987E-B74E9BA57079}" dt="2022-11-03T15:54:04.741" v="9052" actId="20577"/>
+      <pc:chgData name="ko weizhe" userId="deca01452a8f5901" providerId="LiveId" clId="{ADB140C8-2A3D-45AA-987E-B74E9BA57079}" dt="2022-11-04T01:37:21.238" v="9230" actId="20577"/>
       <pc:docMkLst>
         <pc:docMk/>
       </pc:docMkLst>
@@ -157,7 +157,7 @@
         </pc:spChg>
       </pc:sldChg>
       <pc:sldChg chg="addSp delSp modSp mod">
-        <pc:chgData name="ko weizhe" userId="deca01452a8f5901" providerId="LiveId" clId="{ADB140C8-2A3D-45AA-987E-B74E9BA57079}" dt="2022-11-03T15:54:04.741" v="9052" actId="20577"/>
+        <pc:chgData name="ko weizhe" userId="deca01452a8f5901" providerId="LiveId" clId="{ADB140C8-2A3D-45AA-987E-B74E9BA57079}" dt="2022-11-04T01:19:25.701" v="9175" actId="20577"/>
         <pc:sldMkLst>
           <pc:docMk/>
           <pc:sldMk cId="1851876801" sldId="258"/>
@@ -179,7 +179,7 @@
           </ac:spMkLst>
         </pc:spChg>
         <pc:spChg chg="add mod">
-          <ac:chgData name="ko weizhe" userId="deca01452a8f5901" providerId="LiveId" clId="{ADB140C8-2A3D-45AA-987E-B74E9BA57079}" dt="2022-11-03T15:54:04.741" v="9052" actId="20577"/>
+          <ac:chgData name="ko weizhe" userId="deca01452a8f5901" providerId="LiveId" clId="{ADB140C8-2A3D-45AA-987E-B74E9BA57079}" dt="2022-11-04T01:19:25.701" v="9175" actId="20577"/>
           <ac:spMkLst>
             <pc:docMk/>
             <pc:sldMk cId="1851876801" sldId="258"/>
@@ -187,7 +187,7 @@
           </ac:spMkLst>
         </pc:spChg>
         <pc:spChg chg="add mod">
-          <ac:chgData name="ko weizhe" userId="deca01452a8f5901" providerId="LiveId" clId="{ADB140C8-2A3D-45AA-987E-B74E9BA57079}" dt="2022-11-03T04:27:27.597" v="1097" actId="207"/>
+          <ac:chgData name="ko weizhe" userId="deca01452a8f5901" providerId="LiveId" clId="{ADB140C8-2A3D-45AA-987E-B74E9BA57079}" dt="2022-11-04T01:16:25.306" v="9132" actId="14100"/>
           <ac:spMkLst>
             <pc:docMk/>
             <pc:sldMk cId="1851876801" sldId="258"/>
@@ -211,7 +211,7 @@
           </ac:picMkLst>
         </pc:picChg>
         <pc:cxnChg chg="add mod">
-          <ac:chgData name="ko weizhe" userId="deca01452a8f5901" providerId="LiveId" clId="{ADB140C8-2A3D-45AA-987E-B74E9BA57079}" dt="2022-11-03T04:25:01.557" v="930" actId="692"/>
+          <ac:chgData name="ko weizhe" userId="deca01452a8f5901" providerId="LiveId" clId="{ADB140C8-2A3D-45AA-987E-B74E9BA57079}" dt="2022-11-04T01:14:15.779" v="9074" actId="1036"/>
           <ac:cxnSpMkLst>
             <pc:docMk/>
             <pc:sldMk cId="1851876801" sldId="258"/>
@@ -258,7 +258,7 @@
         </pc:picChg>
       </pc:sldChg>
       <pc:sldChg chg="addSp delSp modSp mod">
-        <pc:chgData name="ko weizhe" userId="deca01452a8f5901" providerId="LiveId" clId="{ADB140C8-2A3D-45AA-987E-B74E9BA57079}" dt="2022-11-03T10:37:22.427" v="8977" actId="1076"/>
+        <pc:chgData name="ko weizhe" userId="deca01452a8f5901" providerId="LiveId" clId="{ADB140C8-2A3D-45AA-987E-B74E9BA57079}" dt="2022-11-04T01:17:43.737" v="9161" actId="20577"/>
         <pc:sldMkLst>
           <pc:docMk/>
           <pc:sldMk cId="3432826243" sldId="261"/>
@@ -296,7 +296,7 @@
           </ac:spMkLst>
         </pc:spChg>
         <pc:spChg chg="mod">
-          <ac:chgData name="ko weizhe" userId="deca01452a8f5901" providerId="LiveId" clId="{ADB140C8-2A3D-45AA-987E-B74E9BA57079}" dt="2022-11-03T08:17:33.193" v="5047" actId="1076"/>
+          <ac:chgData name="ko weizhe" userId="deca01452a8f5901" providerId="LiveId" clId="{ADB140C8-2A3D-45AA-987E-B74E9BA57079}" dt="2022-11-04T01:17:19.349" v="9148" actId="14100"/>
           <ac:spMkLst>
             <pc:docMk/>
             <pc:sldMk cId="3432826243" sldId="261"/>
@@ -304,7 +304,7 @@
           </ac:spMkLst>
         </pc:spChg>
         <pc:spChg chg="add mod">
-          <ac:chgData name="ko weizhe" userId="deca01452a8f5901" providerId="LiveId" clId="{ADB140C8-2A3D-45AA-987E-B74E9BA57079}" dt="2022-11-03T10:37:22.427" v="8977" actId="1076"/>
+          <ac:chgData name="ko weizhe" userId="deca01452a8f5901" providerId="LiveId" clId="{ADB140C8-2A3D-45AA-987E-B74E9BA57079}" dt="2022-11-04T01:17:43.737" v="9161" actId="20577"/>
           <ac:spMkLst>
             <pc:docMk/>
             <pc:sldMk cId="3432826243" sldId="261"/>
@@ -853,7 +853,7 @@
         </pc:picChg>
       </pc:sldChg>
       <pc:sldChg chg="modSp new mod">
-        <pc:chgData name="ko weizhe" userId="deca01452a8f5901" providerId="LiveId" clId="{ADB140C8-2A3D-45AA-987E-B74E9BA57079}" dt="2022-11-03T15:02:24.492" v="9051" actId="20577"/>
+        <pc:chgData name="ko weizhe" userId="deca01452a8f5901" providerId="LiveId" clId="{ADB140C8-2A3D-45AA-987E-B74E9BA57079}" dt="2022-11-04T01:37:21.238" v="9230" actId="20577"/>
         <pc:sldMkLst>
           <pc:docMk/>
           <pc:sldMk cId="3691542960" sldId="266"/>
@@ -867,7 +867,7 @@
           </ac:spMkLst>
         </pc:spChg>
         <pc:spChg chg="mod">
-          <ac:chgData name="ko weizhe" userId="deca01452a8f5901" providerId="LiveId" clId="{ADB140C8-2A3D-45AA-987E-B74E9BA57079}" dt="2022-11-03T15:02:24.492" v="9051" actId="20577"/>
+          <ac:chgData name="ko weizhe" userId="deca01452a8f5901" providerId="LiveId" clId="{ADB140C8-2A3D-45AA-987E-B74E9BA57079}" dt="2022-11-04T01:37:21.238" v="9230" actId="20577"/>
           <ac:spMkLst>
             <pc:docMk/>
             <pc:sldMk cId="3691542960" sldId="266"/>
@@ -979,7 +979,7 @@
         </pc:cxnChg>
       </pc:sldChg>
       <pc:sldChg chg="modSp new mod">
-        <pc:chgData name="ko weizhe" userId="deca01452a8f5901" providerId="LiveId" clId="{ADB140C8-2A3D-45AA-987E-B74E9BA57079}" dt="2022-11-03T10:10:28.287" v="8206" actId="20577"/>
+        <pc:chgData name="ko weizhe" userId="deca01452a8f5901" providerId="LiveId" clId="{ADB140C8-2A3D-45AA-987E-B74E9BA57079}" dt="2022-11-04T01:36:27.818" v="9210" actId="20577"/>
         <pc:sldMkLst>
           <pc:docMk/>
           <pc:sldMk cId="433688731" sldId="268"/>
@@ -993,7 +993,7 @@
           </ac:spMkLst>
         </pc:spChg>
         <pc:spChg chg="mod">
-          <ac:chgData name="ko weizhe" userId="deca01452a8f5901" providerId="LiveId" clId="{ADB140C8-2A3D-45AA-987E-B74E9BA57079}" dt="2022-11-03T10:10:28.287" v="8206" actId="20577"/>
+          <ac:chgData name="ko weizhe" userId="deca01452a8f5901" providerId="LiveId" clId="{ADB140C8-2A3D-45AA-987E-B74E9BA57079}" dt="2022-11-04T01:36:27.818" v="9210" actId="20577"/>
           <ac:spMkLst>
             <pc:docMk/>
             <pc:sldMk cId="433688731" sldId="268"/>
@@ -1814,7 +1814,7 @@
           <a:p>
             <a:fld id="{3EA7470B-092D-4809-9890-1DF85A8F1906}" type="datetimeFigureOut">
               <a:rPr lang="en-SG" smtClean="0"/>
-              <a:t>3/11/2022</a:t>
+              <a:t>4/11/2022</a:t>
             </a:fld>
             <a:endParaRPr lang="en-SG"/>
           </a:p>
@@ -2065,7 +2065,7 @@
           <a:p>
             <a:fld id="{3EA7470B-092D-4809-9890-1DF85A8F1906}" type="datetimeFigureOut">
               <a:rPr lang="en-SG" smtClean="0"/>
-              <a:t>3/11/2022</a:t>
+              <a:t>4/11/2022</a:t>
             </a:fld>
             <a:endParaRPr lang="en-SG"/>
           </a:p>
@@ -2379,7 +2379,7 @@
           <a:p>
             <a:fld id="{3EA7470B-092D-4809-9890-1DF85A8F1906}" type="datetimeFigureOut">
               <a:rPr lang="en-SG" smtClean="0"/>
-              <a:t>3/11/2022</a:t>
+              <a:t>4/11/2022</a:t>
             </a:fld>
             <a:endParaRPr lang="en-SG"/>
           </a:p>
@@ -2720,7 +2720,7 @@
           <a:p>
             <a:fld id="{3EA7470B-092D-4809-9890-1DF85A8F1906}" type="datetimeFigureOut">
               <a:rPr lang="en-SG" smtClean="0"/>
-              <a:t>3/11/2022</a:t>
+              <a:t>4/11/2022</a:t>
             </a:fld>
             <a:endParaRPr lang="en-SG"/>
           </a:p>
@@ -3034,7 +3034,7 @@
           <a:p>
             <a:fld id="{3EA7470B-092D-4809-9890-1DF85A8F1906}" type="datetimeFigureOut">
               <a:rPr lang="en-SG" smtClean="0"/>
-              <a:t>3/11/2022</a:t>
+              <a:t>4/11/2022</a:t>
             </a:fld>
             <a:endParaRPr lang="en-SG"/>
           </a:p>
@@ -3427,7 +3427,7 @@
           <a:p>
             <a:fld id="{3EA7470B-092D-4809-9890-1DF85A8F1906}" type="datetimeFigureOut">
               <a:rPr lang="en-SG" smtClean="0"/>
-              <a:t>3/11/2022</a:t>
+              <a:t>4/11/2022</a:t>
             </a:fld>
             <a:endParaRPr lang="en-SG"/>
           </a:p>
@@ -3597,7 +3597,7 @@
           <a:p>
             <a:fld id="{3EA7470B-092D-4809-9890-1DF85A8F1906}" type="datetimeFigureOut">
               <a:rPr lang="en-SG" smtClean="0"/>
-              <a:t>3/11/2022</a:t>
+              <a:t>4/11/2022</a:t>
             </a:fld>
             <a:endParaRPr lang="en-SG"/>
           </a:p>
@@ -3777,7 +3777,7 @@
           <a:p>
             <a:fld id="{3EA7470B-092D-4809-9890-1DF85A8F1906}" type="datetimeFigureOut">
               <a:rPr lang="en-SG" smtClean="0"/>
-              <a:t>3/11/2022</a:t>
+              <a:t>4/11/2022</a:t>
             </a:fld>
             <a:endParaRPr lang="en-SG"/>
           </a:p>
@@ -3953,7 +3953,7 @@
           <a:p>
             <a:fld id="{3EA7470B-092D-4809-9890-1DF85A8F1906}" type="datetimeFigureOut">
               <a:rPr lang="en-SG" smtClean="0"/>
-              <a:t>3/11/2022</a:t>
+              <a:t>4/11/2022</a:t>
             </a:fld>
             <a:endParaRPr lang="en-SG"/>
           </a:p>
@@ -4200,7 +4200,7 @@
           <a:p>
             <a:fld id="{3EA7470B-092D-4809-9890-1DF85A8F1906}" type="datetimeFigureOut">
               <a:rPr lang="en-SG" smtClean="0"/>
-              <a:t>3/11/2022</a:t>
+              <a:t>4/11/2022</a:t>
             </a:fld>
             <a:endParaRPr lang="en-SG"/>
           </a:p>
@@ -4432,7 +4432,7 @@
           <a:p>
             <a:fld id="{3EA7470B-092D-4809-9890-1DF85A8F1906}" type="datetimeFigureOut">
               <a:rPr lang="en-SG" smtClean="0"/>
-              <a:t>3/11/2022</a:t>
+              <a:t>4/11/2022</a:t>
             </a:fld>
             <a:endParaRPr lang="en-SG"/>
           </a:p>
@@ -4806,7 +4806,7 @@
           <a:p>
             <a:fld id="{3EA7470B-092D-4809-9890-1DF85A8F1906}" type="datetimeFigureOut">
               <a:rPr lang="en-SG" smtClean="0"/>
-              <a:t>3/11/2022</a:t>
+              <a:t>4/11/2022</a:t>
             </a:fld>
             <a:endParaRPr lang="en-SG"/>
           </a:p>
@@ -4929,7 +4929,7 @@
           <a:p>
             <a:fld id="{3EA7470B-092D-4809-9890-1DF85A8F1906}" type="datetimeFigureOut">
               <a:rPr lang="en-SG" smtClean="0"/>
-              <a:t>3/11/2022</a:t>
+              <a:t>4/11/2022</a:t>
             </a:fld>
             <a:endParaRPr lang="en-SG"/>
           </a:p>
@@ -5024,7 +5024,7 @@
           <a:p>
             <a:fld id="{3EA7470B-092D-4809-9890-1DF85A8F1906}" type="datetimeFigureOut">
               <a:rPr lang="en-SG" smtClean="0"/>
-              <a:t>3/11/2022</a:t>
+              <a:t>4/11/2022</a:t>
             </a:fld>
             <a:endParaRPr lang="en-SG"/>
           </a:p>
@@ -5279,7 +5279,7 @@
           <a:p>
             <a:fld id="{3EA7470B-092D-4809-9890-1DF85A8F1906}" type="datetimeFigureOut">
               <a:rPr lang="en-SG" smtClean="0"/>
-              <a:t>3/11/2022</a:t>
+              <a:t>4/11/2022</a:t>
             </a:fld>
             <a:endParaRPr lang="en-SG"/>
           </a:p>
@@ -5542,7 +5542,7 @@
           <a:p>
             <a:fld id="{3EA7470B-092D-4809-9890-1DF85A8F1906}" type="datetimeFigureOut">
               <a:rPr lang="en-SG" smtClean="0"/>
-              <a:t>3/11/2022</a:t>
+              <a:t>4/11/2022</a:t>
             </a:fld>
             <a:endParaRPr lang="en-SG"/>
           </a:p>
@@ -6285,7 +6285,7 @@
           <a:p>
             <a:fld id="{3EA7470B-092D-4809-9890-1DF85A8F1906}" type="datetimeFigureOut">
               <a:rPr lang="en-SG" smtClean="0"/>
-              <a:t>3/11/2022</a:t>
+              <a:t>4/11/2022</a:t>
             </a:fld>
             <a:endParaRPr lang="en-SG"/>
           </a:p>
@@ -6944,16 +6944,7 @@
           <a:p>
             <a:r>
               <a:rPr lang="en-SG" sz="1800" dirty="0"/>
-              <a:t>Increase outreach programs to schools in states with low SAT participation, targeting states with low SAT related resources such as test centres, such as North Dakota/Wyoming/South Dakota.</a:t>
-            </a:r>
-          </a:p>
-          <a:p>
-            <a:endParaRPr lang="en-SG" sz="1800" dirty="0"/>
-          </a:p>
-          <a:p>
-            <a:r>
-              <a:rPr lang="en-SG" sz="1800" dirty="0"/>
-              <a:t>Educate on SAT test requirements, and inform on how widely SAT results are accepted in US colleges.</a:t>
+              <a:t>Increase outreach programs to schools in states with low SAT participation, targeting states with low SAT related resources such as test centres (e.g. North Dakota).</a:t>
             </a:r>
           </a:p>
           <a:p>
@@ -6966,11 +6957,14 @@
             </a:r>
             <a:r>
               <a:rPr lang="en-SG" dirty="0"/>
-              <a:t>to improve confidence of students in states with high SAT scores, but low participation rates</a:t>
+              <a:t>to improve confidence of students in states with high SAT scores, but low participation rates.</a:t>
             </a:r>
             <a:endParaRPr lang="en-SG" sz="1800" dirty="0"/>
           </a:p>
           <a:p>
+            <a:pPr marL="0" indent="0">
+              <a:buNone/>
+            </a:pPr>
             <a:endParaRPr lang="en-SG" dirty="0"/>
           </a:p>
         </p:txBody>
@@ -8384,21 +8378,13 @@
           <a:p>
             <a:r>
               <a:rPr lang="en-US" dirty="0"/>
-              <a:t>Definition: low average SAT rates of &lt; 20%. </a:t>
+              <a:t>7 states with low average SAT participation rates of &lt; 4%. Generally states located at the Central Northern side of US.</a:t>
             </a:r>
           </a:p>
           <a:p>
             <a:r>
               <a:rPr lang="en-US" dirty="0"/>
-              <a:t>States </a:t>
-            </a:r>
-            <a:r>
-              <a:rPr lang="en-US"/>
-              <a:t>with SAT </a:t>
-            </a:r>
-            <a:r>
-              <a:rPr lang="en-US" dirty="0"/>
-              <a:t>participation rates of 2-3%, are generally states located at the Central Northern side of US – e.g. North Dakota, Wyoming, South Dakota.</a:t>
+              <a:t>Lowest was 2% - North Dakota.</a:t>
             </a:r>
           </a:p>
         </p:txBody>
@@ -8417,7 +8403,7 @@
         </p:nvCxnSpPr>
         <p:spPr>
           <a:xfrm>
-            <a:off x="1028700" y="3571875"/>
+            <a:off x="1028700" y="3907777"/>
             <a:ext cx="6552000" cy="0"/>
           </a:xfrm>
           <a:prstGeom prst="line">
@@ -8460,7 +8446,7 @@
         <p:spPr>
           <a:xfrm>
             <a:off x="1285875" y="1619741"/>
-            <a:ext cx="2457450" cy="3145907"/>
+            <a:ext cx="916149" cy="3145907"/>
           </a:xfrm>
           <a:prstGeom prst="rect">
             <a:avLst/>
@@ -8608,7 +8594,7 @@
           <a:p>
             <a:r>
               <a:rPr lang="en-SG" dirty="0"/>
-              <a:t>States with SAT participation rate of &lt;20% have &gt;60% ACT participation rates.</a:t>
+              <a:t>States with SAT participation rate of &lt;4% have &gt;60% ACT participation rates.</a:t>
             </a:r>
           </a:p>
         </p:txBody>
@@ -8744,10 +8730,10 @@
             </p:nvGrpSpPr>
             <p:grpSpPr>
               <a:xfrm>
-                <a:off x="5977486" y="3409951"/>
-                <a:ext cx="6031050" cy="2952750"/>
-                <a:chOff x="6377972" y="4833189"/>
-                <a:chExt cx="8157249" cy="3563376"/>
+                <a:off x="5977488" y="3409951"/>
+                <a:ext cx="6031049" cy="2952750"/>
+                <a:chOff x="6377974" y="4833189"/>
+                <a:chExt cx="8157247" cy="3563376"/>
               </a:xfrm>
             </p:grpSpPr>
             <p:sp>
@@ -8764,8 +8750,8 @@
               </p:nvSpPr>
               <p:spPr>
                 <a:xfrm>
-                  <a:off x="6377972" y="4833189"/>
-                  <a:ext cx="3265089" cy="3563376"/>
+                  <a:off x="6377974" y="4833189"/>
+                  <a:ext cx="1164251" cy="3563376"/>
                 </a:xfrm>
                 <a:prstGeom prst="rect">
                   <a:avLst/>
@@ -10356,28 +10342,17 @@
           <a:p>
             <a:r>
               <a:rPr lang="en-US" dirty="0"/>
-              <a:t>Low SAT participation rates could be linked to poor outreach, lesser or SAT related resources in the state (e.g. test centers). Furthermore as students generally</a:t>
-            </a:r>
-            <a:r>
-              <a:rPr lang="en-SG" sz="1800" dirty="0"/>
-              <a:t> take only 1 test of their preference, this increases the importance of outreach by SAT college board.</a:t>
-            </a:r>
+              <a:t>Low SAT participation rates could be linked to poor outreach, lesser SAT related resources in the state (e.g. test centers). </a:t>
+            </a:r>
+          </a:p>
+          <a:p>
             <a:endParaRPr lang="en-SG" dirty="0"/>
           </a:p>
           <a:p>
-            <a:endParaRPr lang="en-SG" dirty="0"/>
-          </a:p>
-          <a:p>
             <a:r>
               <a:rPr lang="en-SG" dirty="0"/>
-              <a:t>A state’s SAT score to participation rate is an indication on the confidence of an average student of a state to take the SAT test.</a:t>
-            </a:r>
-          </a:p>
-          <a:p>
-            <a:endParaRPr lang="en-US" dirty="0"/>
-          </a:p>
-          <a:p>
-            <a:endParaRPr lang="en-US" dirty="0"/>
+              <a:t>A state’s SAT score to participation rate could be an indication on the confidence of an average student of a state to take the SAT test.</a:t>
+            </a:r>
           </a:p>
         </p:txBody>
       </p:sp>

--- a/Project 1/Project 1 Slides.pptx
+++ b/Project 1/Project 1 Slides.pptx
@@ -6,18 +6,19 @@
   </p:sldMasterIdLst>
   <p:sldIdLst>
     <p:sldId id="256" r:id="rId2"/>
-    <p:sldId id="257" r:id="rId3"/>
-    <p:sldId id="259" r:id="rId4"/>
-    <p:sldId id="258" r:id="rId5"/>
-    <p:sldId id="261" r:id="rId6"/>
-    <p:sldId id="267" r:id="rId7"/>
-    <p:sldId id="265" r:id="rId8"/>
-    <p:sldId id="270" r:id="rId9"/>
-    <p:sldId id="268" r:id="rId10"/>
-    <p:sldId id="266" r:id="rId11"/>
-    <p:sldId id="269" r:id="rId12"/>
-    <p:sldId id="264" r:id="rId13"/>
-    <p:sldId id="260" r:id="rId14"/>
+    <p:sldId id="272" r:id="rId3"/>
+    <p:sldId id="257" r:id="rId4"/>
+    <p:sldId id="259" r:id="rId5"/>
+    <p:sldId id="258" r:id="rId6"/>
+    <p:sldId id="261" r:id="rId7"/>
+    <p:sldId id="267" r:id="rId8"/>
+    <p:sldId id="265" r:id="rId9"/>
+    <p:sldId id="270" r:id="rId10"/>
+    <p:sldId id="268" r:id="rId11"/>
+    <p:sldId id="266" r:id="rId12"/>
+    <p:sldId id="269" r:id="rId13"/>
+    <p:sldId id="264" r:id="rId14"/>
+    <p:sldId id="260" r:id="rId15"/>
   </p:sldIdLst>
   <p:sldSz cx="12192000" cy="6858000"/>
   <p:notesSz cx="6858000" cy="9144000"/>
@@ -127,7 +128,7 @@
 <file path=ppt/revisionInfo.xml><?xml version="1.0" encoding="utf-8"?>
 <p1510:revInfo xmlns:a="http://schemas.openxmlformats.org/drawingml/2006/main" xmlns:r="http://schemas.openxmlformats.org/officeDocument/2006/relationships" xmlns:p1510="http://schemas.microsoft.com/office/powerpoint/2015/10/main">
   <p1510:revLst>
-    <p1510:client id="{ADB140C8-2A3D-45AA-987E-B74E9BA57079}" v="506" dt="2022-11-03T14:49:12.867"/>
+    <p1510:client id="{ADB140C8-2A3D-45AA-987E-B74E9BA57079}" v="508" dt="2022-11-04T02:31:47.393"/>
   </p1510:revLst>
 </p1510:revInfo>
 </file>
@@ -137,18 +138,33 @@
   <pc:docChgLst>
     <pc:chgData name="ko weizhe" userId="deca01452a8f5901" providerId="LiveId" clId="{ADB140C8-2A3D-45AA-987E-B74E9BA57079}"/>
     <pc:docChg chg="undo redo custSel addSld delSld modSld sldOrd">
-      <pc:chgData name="ko weizhe" userId="deca01452a8f5901" providerId="LiveId" clId="{ADB140C8-2A3D-45AA-987E-B74E9BA57079}" dt="2022-11-04T01:37:21.238" v="9230" actId="20577"/>
+      <pc:chgData name="ko weizhe" userId="deca01452a8f5901" providerId="LiveId" clId="{ADB140C8-2A3D-45AA-987E-B74E9BA57079}" dt="2022-11-04T03:18:38.089" v="9484" actId="21"/>
       <pc:docMkLst>
         <pc:docMk/>
       </pc:docMkLst>
       <pc:sldChg chg="modSp mod">
-        <pc:chgData name="ko weizhe" userId="deca01452a8f5901" providerId="LiveId" clId="{ADB140C8-2A3D-45AA-987E-B74E9BA57079}" dt="2022-11-03T10:27:29.487" v="8863" actId="20577"/>
+        <pc:chgData name="ko weizhe" userId="deca01452a8f5901" providerId="LiveId" clId="{ADB140C8-2A3D-45AA-987E-B74E9BA57079}" dt="2022-11-04T03:18:38.089" v="9484" actId="21"/>
+        <pc:sldMkLst>
+          <pc:docMk/>
+          <pc:sldMk cId="2699327766" sldId="256"/>
+        </pc:sldMkLst>
+        <pc:spChg chg="mod">
+          <ac:chgData name="ko weizhe" userId="deca01452a8f5901" providerId="LiveId" clId="{ADB140C8-2A3D-45AA-987E-B74E9BA57079}" dt="2022-11-04T03:18:38.089" v="9484" actId="21"/>
+          <ac:spMkLst>
+            <pc:docMk/>
+            <pc:sldMk cId="2699327766" sldId="256"/>
+            <ac:spMk id="3" creationId="{53377A9E-6496-B6BA-64A9-5F45574EA9C0}"/>
+          </ac:spMkLst>
+        </pc:spChg>
+      </pc:sldChg>
+      <pc:sldChg chg="modSp mod">
+        <pc:chgData name="ko weizhe" userId="deca01452a8f5901" providerId="LiveId" clId="{ADB140C8-2A3D-45AA-987E-B74E9BA57079}" dt="2022-11-04T02:34:47.324" v="9483" actId="20577"/>
         <pc:sldMkLst>
           <pc:docMk/>
           <pc:sldMk cId="2765173929" sldId="257"/>
         </pc:sldMkLst>
         <pc:spChg chg="mod">
-          <ac:chgData name="ko weizhe" userId="deca01452a8f5901" providerId="LiveId" clId="{ADB140C8-2A3D-45AA-987E-B74E9BA57079}" dt="2022-11-03T10:27:29.487" v="8863" actId="20577"/>
+          <ac:chgData name="ko weizhe" userId="deca01452a8f5901" providerId="LiveId" clId="{ADB140C8-2A3D-45AA-987E-B74E9BA57079}" dt="2022-11-04T02:34:47.324" v="9483" actId="20577"/>
           <ac:spMkLst>
             <pc:docMk/>
             <pc:sldMk cId="2765173929" sldId="257"/>
@@ -1086,6 +1102,36 @@
             <ac:picMk id="1036" creationId="{1BED883F-BC34-0ABC-D40A-49B5FC9B85DE}"/>
           </ac:picMkLst>
         </pc:picChg>
+      </pc:sldChg>
+      <pc:sldChg chg="add del">
+        <pc:chgData name="ko weizhe" userId="deca01452a8f5901" providerId="LiveId" clId="{ADB140C8-2A3D-45AA-987E-B74E9BA57079}" dt="2022-11-04T02:31:48.944" v="9355" actId="47"/>
+        <pc:sldMkLst>
+          <pc:docMk/>
+          <pc:sldMk cId="1072376681" sldId="271"/>
+        </pc:sldMkLst>
+      </pc:sldChg>
+      <pc:sldChg chg="modSp add mod">
+        <pc:chgData name="ko weizhe" userId="deca01452a8f5901" providerId="LiveId" clId="{ADB140C8-2A3D-45AA-987E-B74E9BA57079}" dt="2022-11-04T02:33:11.303" v="9478" actId="403"/>
+        <pc:sldMkLst>
+          <pc:docMk/>
+          <pc:sldMk cId="1923440769" sldId="272"/>
+        </pc:sldMkLst>
+        <pc:spChg chg="mod">
+          <ac:chgData name="ko weizhe" userId="deca01452a8f5901" providerId="LiveId" clId="{ADB140C8-2A3D-45AA-987E-B74E9BA57079}" dt="2022-11-04T02:31:52.584" v="9362" actId="20577"/>
+          <ac:spMkLst>
+            <pc:docMk/>
+            <pc:sldMk cId="1923440769" sldId="272"/>
+            <ac:spMk id="2" creationId="{11D939DB-C3A1-840C-56F7-9DA030942606}"/>
+          </ac:spMkLst>
+        </pc:spChg>
+        <pc:spChg chg="mod">
+          <ac:chgData name="ko weizhe" userId="deca01452a8f5901" providerId="LiveId" clId="{ADB140C8-2A3D-45AA-987E-B74E9BA57079}" dt="2022-11-04T02:33:11.303" v="9478" actId="403"/>
+          <ac:spMkLst>
+            <pc:docMk/>
+            <pc:sldMk cId="1923440769" sldId="272"/>
+            <ac:spMk id="3" creationId="{9974EE34-0722-F116-C0AD-A308E8BEB382}"/>
+          </ac:spMkLst>
+        </pc:spChg>
       </pc:sldChg>
     </pc:docChg>
   </pc:docChgLst>
@@ -6859,7 +6905,8 @@
           <a:bodyPr/>
           <a:lstStyle/>
           <a:p>
-            <a:endParaRPr lang="en-SG"/>
+            <a:pPr algn="l"/>
+            <a:endParaRPr lang="en-SG" dirty="0"/>
           </a:p>
         </p:txBody>
       </p:sp>
@@ -6898,7 +6945,7 @@
           <p:cNvPr id="2" name="Title 1">
             <a:extLst>
               <a:ext uri="{FF2B5EF4-FFF2-40B4-BE49-F238E27FC236}">
-                <a16:creationId xmlns:a16="http://schemas.microsoft.com/office/drawing/2014/main" id="{F9067BA7-E58F-0B4F-A654-CFC9A78C8BE8}"/>
+                <a16:creationId xmlns:a16="http://schemas.microsoft.com/office/drawing/2014/main" id="{149A4348-7BDF-CE34-164A-76F5D46C326B}"/>
               </a:ext>
             </a:extLst>
           </p:cNvPr>
@@ -6916,7 +6963,7 @@
           <a:p>
             <a:r>
               <a:rPr lang="en-SG" dirty="0"/>
-              <a:t>Recommendation</a:t>
+              <a:t>Summary</a:t>
             </a:r>
           </a:p>
         </p:txBody>
@@ -6926,7 +6973,7 @@
           <p:cNvPr id="3" name="Content Placeholder 2">
             <a:extLst>
               <a:ext uri="{FF2B5EF4-FFF2-40B4-BE49-F238E27FC236}">
-                <a16:creationId xmlns:a16="http://schemas.microsoft.com/office/drawing/2014/main" id="{62DF828A-45D6-9C84-AD52-BFDCF31B3F3B}"/>
+                <a16:creationId xmlns:a16="http://schemas.microsoft.com/office/drawing/2014/main" id="{A3300CBC-C2F4-D468-28FD-011550B132CC}"/>
               </a:ext>
             </a:extLst>
           </p:cNvPr>
@@ -6939,12 +6986,23 @@
         </p:nvSpPr>
         <p:spPr/>
         <p:txBody>
-          <a:bodyPr/>
+          <a:bodyPr>
+            <a:normAutofit/>
+          </a:bodyPr>
           <a:lstStyle/>
           <a:p>
             <a:r>
-              <a:rPr lang="en-SG" sz="1800" dirty="0"/>
-              <a:t>Increase outreach programs to schools in states with low SAT participation, targeting states with low SAT related resources such as test centres (e.g. North Dakota).</a:t>
+              <a:rPr lang="en-US" dirty="0"/>
+              <a:t>States with very low SAT participation rates of 2-3%, are generally located at the Central Northern side of US.</a:t>
+            </a:r>
+          </a:p>
+          <a:p>
+            <a:endParaRPr lang="en-US" dirty="0"/>
+          </a:p>
+          <a:p>
+            <a:r>
+              <a:rPr lang="en-US" dirty="0"/>
+              <a:t>Low SAT participation rates could be linked to poor outreach, lesser SAT related resources in the state (e.g. test centers). </a:t>
             </a:r>
           </a:p>
           <a:p>
@@ -6952,27 +7010,16 @@
           </a:p>
           <a:p>
             <a:r>
-              <a:rPr lang="en-SG" sz="1800" dirty="0"/>
-              <a:t>Provide additional teaching resources and materials </a:t>
-            </a:r>
-            <a:r>
               <a:rPr lang="en-SG" dirty="0"/>
-              <a:t>to improve confidence of students in states with high SAT scores, but low participation rates.</a:t>
-            </a:r>
-            <a:endParaRPr lang="en-SG" sz="1800" dirty="0"/>
-          </a:p>
-          <a:p>
-            <a:pPr marL="0" indent="0">
-              <a:buNone/>
-            </a:pPr>
-            <a:endParaRPr lang="en-SG" dirty="0"/>
+              <a:t>A state’s SAT score to participation rate could be an indication on the confidence of an average student of a state to take the SAT test.</a:t>
+            </a:r>
           </a:p>
         </p:txBody>
       </p:sp>
     </p:spTree>
     <p:extLst>
       <p:ext uri="{BB962C8B-B14F-4D97-AF65-F5344CB8AC3E}">
-        <p14:creationId xmlns:p14="http://schemas.microsoft.com/office/powerpoint/2010/main" val="3691542960"/>
+        <p14:creationId xmlns:p14="http://schemas.microsoft.com/office/powerpoint/2010/main" val="433688731"/>
       </p:ext>
     </p:extLst>
   </p:cSld>
@@ -7022,6 +7069,112 @@
           <a:p>
             <a:r>
               <a:rPr lang="en-SG" dirty="0"/>
+              <a:t>Recommendation</a:t>
+            </a:r>
+          </a:p>
+        </p:txBody>
+      </p:sp>
+      <p:sp>
+        <p:nvSpPr>
+          <p:cNvPr id="3" name="Content Placeholder 2">
+            <a:extLst>
+              <a:ext uri="{FF2B5EF4-FFF2-40B4-BE49-F238E27FC236}">
+                <a16:creationId xmlns:a16="http://schemas.microsoft.com/office/drawing/2014/main" id="{62DF828A-45D6-9C84-AD52-BFDCF31B3F3B}"/>
+              </a:ext>
+            </a:extLst>
+          </p:cNvPr>
+          <p:cNvSpPr>
+            <a:spLocks noGrp="1"/>
+          </p:cNvSpPr>
+          <p:nvPr>
+            <p:ph idx="1"/>
+          </p:nvPr>
+        </p:nvSpPr>
+        <p:spPr/>
+        <p:txBody>
+          <a:bodyPr/>
+          <a:lstStyle/>
+          <a:p>
+            <a:r>
+              <a:rPr lang="en-SG" sz="1800" dirty="0"/>
+              <a:t>Increase outreach programs to schools in states with low SAT participation, targeting states with low SAT related resources such as test centres (e.g. North Dakota).</a:t>
+            </a:r>
+          </a:p>
+          <a:p>
+            <a:endParaRPr lang="en-SG" dirty="0"/>
+          </a:p>
+          <a:p>
+            <a:r>
+              <a:rPr lang="en-SG" sz="1800" dirty="0"/>
+              <a:t>Provide additional teaching resources and materials </a:t>
+            </a:r>
+            <a:r>
+              <a:rPr lang="en-SG" dirty="0"/>
+              <a:t>to improve confidence of students in states with high SAT scores, but low participation rates.</a:t>
+            </a:r>
+            <a:endParaRPr lang="en-SG" sz="1800" dirty="0"/>
+          </a:p>
+          <a:p>
+            <a:pPr marL="0" indent="0">
+              <a:buNone/>
+            </a:pPr>
+            <a:endParaRPr lang="en-SG" dirty="0"/>
+          </a:p>
+        </p:txBody>
+      </p:sp>
+    </p:spTree>
+    <p:extLst>
+      <p:ext uri="{BB962C8B-B14F-4D97-AF65-F5344CB8AC3E}">
+        <p14:creationId xmlns:p14="http://schemas.microsoft.com/office/powerpoint/2010/main" val="3691542960"/>
+      </p:ext>
+    </p:extLst>
+  </p:cSld>
+  <p:clrMapOvr>
+    <a:masterClrMapping/>
+  </p:clrMapOvr>
+</p:sld>
+</file>
+
+<file path=ppt/slides/slide12.xml><?xml version="1.0" encoding="utf-8"?>
+<p:sld xmlns:a="http://schemas.openxmlformats.org/drawingml/2006/main" xmlns:r="http://schemas.openxmlformats.org/officeDocument/2006/relationships" xmlns:p="http://schemas.openxmlformats.org/presentationml/2006/main">
+  <p:cSld>
+    <p:spTree>
+      <p:nvGrpSpPr>
+        <p:cNvPr id="1" name=""/>
+        <p:cNvGrpSpPr/>
+        <p:nvPr/>
+      </p:nvGrpSpPr>
+      <p:grpSpPr>
+        <a:xfrm>
+          <a:off x="0" y="0"/>
+          <a:ext cx="0" cy="0"/>
+          <a:chOff x="0" y="0"/>
+          <a:chExt cx="0" cy="0"/>
+        </a:xfrm>
+      </p:grpSpPr>
+      <p:sp>
+        <p:nvSpPr>
+          <p:cNvPr id="2" name="Title 1">
+            <a:extLst>
+              <a:ext uri="{FF2B5EF4-FFF2-40B4-BE49-F238E27FC236}">
+                <a16:creationId xmlns:a16="http://schemas.microsoft.com/office/drawing/2014/main" id="{F9067BA7-E58F-0B4F-A654-CFC9A78C8BE8}"/>
+              </a:ext>
+            </a:extLst>
+          </p:cNvPr>
+          <p:cNvSpPr>
+            <a:spLocks noGrp="1"/>
+          </p:cNvSpPr>
+          <p:nvPr>
+            <p:ph type="title"/>
+          </p:nvPr>
+        </p:nvSpPr>
+        <p:spPr/>
+        <p:txBody>
+          <a:bodyPr/>
+          <a:lstStyle/>
+          <a:p>
+            <a:r>
+              <a:rPr lang="en-SG" dirty="0"/>
               <a:t>Future Improvement</a:t>
             </a:r>
           </a:p>
@@ -7083,7 +7236,7 @@
 </p:sld>
 </file>
 
-<file path=ppt/slides/slide12.xml><?xml version="1.0" encoding="utf-8"?>
+<file path=ppt/slides/slide13.xml><?xml version="1.0" encoding="utf-8"?>
 <p:sld xmlns:a="http://schemas.openxmlformats.org/drawingml/2006/main" xmlns:r="http://schemas.openxmlformats.org/officeDocument/2006/relationships" xmlns:p="http://schemas.openxmlformats.org/presentationml/2006/main" show="0">
   <p:cSld>
     <p:spTree>
@@ -7193,7 +7346,7 @@
 </p:sld>
 </file>
 
-<file path=ppt/slides/slide13.xml><?xml version="1.0" encoding="utf-8"?>
+<file path=ppt/slides/slide14.xml><?xml version="1.0" encoding="utf-8"?>
 <p:sld xmlns:a="http://schemas.openxmlformats.org/drawingml/2006/main" xmlns:r="http://schemas.openxmlformats.org/officeDocument/2006/relationships" xmlns:p="http://schemas.openxmlformats.org/presentationml/2006/main" show="0">
   <p:cSld>
     <p:spTree>
@@ -7595,7 +7748,7 @@
           <a:p>
             <a:r>
               <a:rPr lang="en-SG" dirty="0"/>
-              <a:t>Background</a:t>
+              <a:t>Content</a:t>
             </a:r>
           </a:p>
         </p:txBody>
@@ -7624,18 +7777,47 @@
           <a:lstStyle/>
           <a:p>
             <a:r>
-              <a:rPr lang="en-US" dirty="0"/>
-              <a:t>The College Board, an organization that administers the SAT, looks at statewide SAT test participation rates.</a:t>
+              <a:rPr lang="en-SG" sz="2400" dirty="0"/>
+              <a:t>Background</a:t>
+            </a:r>
+          </a:p>
+          <a:p>
+            <a:r>
+              <a:rPr lang="en-SG" sz="2400" dirty="0"/>
+              <a:t>Problem Statement</a:t>
+            </a:r>
+          </a:p>
+          <a:p>
+            <a:r>
+              <a:rPr lang="en-SG" sz="2400" dirty="0"/>
+              <a:t>Data analysis and Trends</a:t>
+            </a:r>
+          </a:p>
+          <a:p>
+            <a:r>
+              <a:rPr lang="en-SG" sz="2400" dirty="0"/>
+              <a:t>Summary</a:t>
+            </a:r>
+          </a:p>
+          <a:p>
+            <a:r>
+              <a:rPr lang="en-SG" sz="2400" dirty="0"/>
+              <a:t>Recommendation</a:t>
+            </a:r>
+          </a:p>
+          <a:p>
+            <a:r>
+              <a:rPr lang="en-SG" sz="2400" dirty="0"/>
+              <a:t>Future Improvement on Analysis</a:t>
             </a:r>
           </a:p>
           <a:p>
             <a:endParaRPr lang="en-SG" dirty="0"/>
           </a:p>
           <a:p>
-            <a:r>
-              <a:rPr lang="en-US" dirty="0"/>
-              <a:t>With a new format for the SAT released in March 2016, the College Board is looking to identify states with low SAT test participation rates from 2017 to 2019, and seeks recommendations to help improve them.</a:t>
-            </a:r>
+            <a:endParaRPr lang="en-SG" dirty="0"/>
+          </a:p>
+          <a:p>
             <a:endParaRPr lang="en-SG" dirty="0"/>
           </a:p>
           <a:p>
@@ -7646,7 +7828,7 @@
     </p:spTree>
     <p:extLst>
       <p:ext uri="{BB962C8B-B14F-4D97-AF65-F5344CB8AC3E}">
-        <p14:creationId xmlns:p14="http://schemas.microsoft.com/office/powerpoint/2010/main" val="2765173929"/>
+        <p14:creationId xmlns:p14="http://schemas.microsoft.com/office/powerpoint/2010/main" val="1923440769"/>
       </p:ext>
     </p:extLst>
   </p:cSld>
@@ -7678,6 +7860,95 @@
           <p:cNvPr id="2" name="Title 1">
             <a:extLst>
               <a:ext uri="{FF2B5EF4-FFF2-40B4-BE49-F238E27FC236}">
+                <a16:creationId xmlns:a16="http://schemas.microsoft.com/office/drawing/2014/main" id="{11D939DB-C3A1-840C-56F7-9DA030942606}"/>
+              </a:ext>
+            </a:extLst>
+          </p:cNvPr>
+          <p:cNvSpPr>
+            <a:spLocks noGrp="1"/>
+          </p:cNvSpPr>
+          <p:nvPr>
+            <p:ph type="title"/>
+          </p:nvPr>
+        </p:nvSpPr>
+        <p:spPr/>
+        <p:txBody>
+          <a:bodyPr/>
+          <a:lstStyle/>
+          <a:p>
+            <a:r>
+              <a:rPr lang="en-SG" dirty="0"/>
+              <a:t>Background</a:t>
+            </a:r>
+          </a:p>
+        </p:txBody>
+      </p:sp>
+      <p:sp>
+        <p:nvSpPr>
+          <p:cNvPr id="3" name="Content Placeholder 2">
+            <a:extLst>
+              <a:ext uri="{FF2B5EF4-FFF2-40B4-BE49-F238E27FC236}">
+                <a16:creationId xmlns:a16="http://schemas.microsoft.com/office/drawing/2014/main" id="{9974EE34-0722-F116-C0AD-A308E8BEB382}"/>
+              </a:ext>
+            </a:extLst>
+          </p:cNvPr>
+          <p:cNvSpPr>
+            <a:spLocks noGrp="1"/>
+          </p:cNvSpPr>
+          <p:nvPr>
+            <p:ph idx="1"/>
+          </p:nvPr>
+        </p:nvSpPr>
+        <p:spPr/>
+        <p:txBody>
+          <a:bodyPr>
+            <a:normAutofit/>
+          </a:bodyPr>
+          <a:lstStyle/>
+          <a:p>
+            <a:r>
+              <a:rPr lang="en-US" dirty="0"/>
+              <a:t>With a new format for the SAT released in March 2016, the College Board is looking to identify states with low SAT test participation rates from 2017 to 2019, and seeks recommendations to help improve them.</a:t>
+            </a:r>
+            <a:endParaRPr lang="en-SG" dirty="0"/>
+          </a:p>
+        </p:txBody>
+      </p:sp>
+    </p:spTree>
+    <p:extLst>
+      <p:ext uri="{BB962C8B-B14F-4D97-AF65-F5344CB8AC3E}">
+        <p14:creationId xmlns:p14="http://schemas.microsoft.com/office/powerpoint/2010/main" val="2765173929"/>
+      </p:ext>
+    </p:extLst>
+  </p:cSld>
+  <p:clrMapOvr>
+    <a:masterClrMapping/>
+  </p:clrMapOvr>
+</p:sld>
+</file>
+
+<file path=ppt/slides/slide4.xml><?xml version="1.0" encoding="utf-8"?>
+<p:sld xmlns:a="http://schemas.openxmlformats.org/drawingml/2006/main" xmlns:r="http://schemas.openxmlformats.org/officeDocument/2006/relationships" xmlns:p="http://schemas.openxmlformats.org/presentationml/2006/main">
+  <p:cSld>
+    <p:spTree>
+      <p:nvGrpSpPr>
+        <p:cNvPr id="1" name=""/>
+        <p:cNvGrpSpPr/>
+        <p:nvPr/>
+      </p:nvGrpSpPr>
+      <p:grpSpPr>
+        <a:xfrm>
+          <a:off x="0" y="0"/>
+          <a:ext cx="0" cy="0"/>
+          <a:chOff x="0" y="0"/>
+          <a:chExt cx="0" cy="0"/>
+        </a:xfrm>
+      </p:grpSpPr>
+      <p:sp>
+        <p:nvSpPr>
+          <p:cNvPr id="2" name="Title 1">
+            <a:extLst>
+              <a:ext uri="{FF2B5EF4-FFF2-40B4-BE49-F238E27FC236}">
                 <a16:creationId xmlns:a16="http://schemas.microsoft.com/office/drawing/2014/main" id="{6BDEA5BB-9A87-3643-7F3F-05E196C9D8E0}"/>
               </a:ext>
             </a:extLst>
@@ -7752,7 +8023,7 @@
 </p:sld>
 </file>
 
-<file path=ppt/slides/slide4.xml><?xml version="1.0" encoding="utf-8"?>
+<file path=ppt/slides/slide5.xml><?xml version="1.0" encoding="utf-8"?>
 <p:sld xmlns:a="http://schemas.openxmlformats.org/drawingml/2006/main" xmlns:r="http://schemas.openxmlformats.org/officeDocument/2006/relationships" xmlns:p="http://schemas.openxmlformats.org/presentationml/2006/main">
   <p:cSld>
     <p:spTree>
@@ -8500,7 +8771,7 @@
 </p:sld>
 </file>
 
-<file path=ppt/slides/slide5.xml><?xml version="1.0" encoding="utf-8"?>
+<file path=ppt/slides/slide6.xml><?xml version="1.0" encoding="utf-8"?>
 <p:sld xmlns:a="http://schemas.openxmlformats.org/drawingml/2006/main" xmlns:r="http://schemas.openxmlformats.org/officeDocument/2006/relationships" xmlns:p="http://schemas.openxmlformats.org/presentationml/2006/main">
   <p:cSld>
     <p:spTree>
@@ -8892,7 +9163,7 @@
 </p:sld>
 </file>
 
-<file path=ppt/slides/slide6.xml><?xml version="1.0" encoding="utf-8"?>
+<file path=ppt/slides/slide7.xml><?xml version="1.0" encoding="utf-8"?>
 <p:sld xmlns:a="http://schemas.openxmlformats.org/drawingml/2006/main" xmlns:r="http://schemas.openxmlformats.org/officeDocument/2006/relationships" xmlns:p="http://schemas.openxmlformats.org/presentationml/2006/main">
   <p:cSld>
     <p:spTree>
@@ -9978,7 +10249,7 @@
 </p:sld>
 </file>
 
-<file path=ppt/slides/slide7.xml><?xml version="1.0" encoding="utf-8"?>
+<file path=ppt/slides/slide8.xml><?xml version="1.0" encoding="utf-8"?>
 <p:sld xmlns:a="http://schemas.openxmlformats.org/drawingml/2006/main" xmlns:r="http://schemas.openxmlformats.org/officeDocument/2006/relationships" xmlns:p="http://schemas.openxmlformats.org/presentationml/2006/main">
   <p:cSld>
     <p:spTree>
@@ -10131,138 +10402,6 @@
 </p:sld>
 </file>
 
-<file path=ppt/slides/slide8.xml><?xml version="1.0" encoding="utf-8"?>
-<p:sld xmlns:a="http://schemas.openxmlformats.org/drawingml/2006/main" xmlns:r="http://schemas.openxmlformats.org/officeDocument/2006/relationships" xmlns:p="http://schemas.openxmlformats.org/presentationml/2006/main">
-  <p:cSld>
-    <p:spTree>
-      <p:nvGrpSpPr>
-        <p:cNvPr id="1" name=""/>
-        <p:cNvGrpSpPr/>
-        <p:nvPr/>
-      </p:nvGrpSpPr>
-      <p:grpSpPr>
-        <a:xfrm>
-          <a:off x="0" y="0"/>
-          <a:ext cx="0" cy="0"/>
-          <a:chOff x="0" y="0"/>
-          <a:chExt cx="0" cy="0"/>
-        </a:xfrm>
-      </p:grpSpPr>
-      <p:sp>
-        <p:nvSpPr>
-          <p:cNvPr id="2" name="Title 1">
-            <a:extLst>
-              <a:ext uri="{FF2B5EF4-FFF2-40B4-BE49-F238E27FC236}">
-                <a16:creationId xmlns:a16="http://schemas.microsoft.com/office/drawing/2014/main" id="{CE92E254-8C2F-FD47-0AE1-452E757C8F1E}"/>
-              </a:ext>
-            </a:extLst>
-          </p:cNvPr>
-          <p:cNvSpPr>
-            <a:spLocks noGrp="1"/>
-          </p:cNvSpPr>
-          <p:nvPr>
-            <p:ph type="title"/>
-          </p:nvPr>
-        </p:nvSpPr>
-        <p:spPr>
-          <a:xfrm>
-            <a:off x="677334" y="609600"/>
-            <a:ext cx="9838266" cy="1320800"/>
-          </a:xfrm>
-        </p:spPr>
-        <p:txBody>
-          <a:bodyPr>
-            <a:normAutofit/>
-          </a:bodyPr>
-          <a:lstStyle/>
-          <a:p>
-            <a:r>
-              <a:rPr lang="en-SG" sz="3200" dirty="0"/>
-              <a:t>Trends – SAT Score vs Participation Rates (cont.)</a:t>
-            </a:r>
-          </a:p>
-        </p:txBody>
-      </p:sp>
-      <p:sp>
-        <p:nvSpPr>
-          <p:cNvPr id="4" name="Content Placeholder 2">
-            <a:extLst>
-              <a:ext uri="{FF2B5EF4-FFF2-40B4-BE49-F238E27FC236}">
-                <a16:creationId xmlns:a16="http://schemas.microsoft.com/office/drawing/2014/main" id="{05DC3CDC-7B59-2A8D-3E18-05CB8EFCAA70}"/>
-              </a:ext>
-            </a:extLst>
-          </p:cNvPr>
-          <p:cNvSpPr>
-            <a:spLocks noGrp="1"/>
-          </p:cNvSpPr>
-          <p:nvPr>
-            <p:ph idx="1"/>
-          </p:nvPr>
-        </p:nvSpPr>
-        <p:spPr>
-          <a:xfrm>
-            <a:off x="677334" y="2160589"/>
-            <a:ext cx="8596668" cy="3880773"/>
-          </a:xfrm>
-        </p:spPr>
-        <p:txBody>
-          <a:bodyPr>
-            <a:normAutofit/>
-          </a:bodyPr>
-          <a:lstStyle/>
-          <a:p>
-            <a:r>
-              <a:rPr lang="en-SG" dirty="0"/>
-              <a:t>What this means:</a:t>
-            </a:r>
-          </a:p>
-          <a:p>
-            <a:pPr lvl="1"/>
-            <a:r>
-              <a:rPr lang="en-SG" sz="1700" dirty="0"/>
-              <a:t>Higher participation rates means that a greater proportion of average college bound students are taking the SAT test, which lowers the average SAT scores.</a:t>
-            </a:r>
-          </a:p>
-          <a:p>
-            <a:pPr lvl="1"/>
-            <a:r>
-              <a:rPr lang="en-SG" sz="1700" dirty="0"/>
-              <a:t>States with high average SAT scores and low participation rates, could indicate that an average student from the state is less confident and willing to take the SAT test. </a:t>
-            </a:r>
-          </a:p>
-          <a:p>
-            <a:endParaRPr lang="en-SG" sz="1800" dirty="0"/>
-          </a:p>
-          <a:p>
-            <a:endParaRPr lang="en-SG" dirty="0"/>
-          </a:p>
-          <a:p>
-            <a:endParaRPr lang="en-SG" sz="1800" dirty="0"/>
-          </a:p>
-          <a:p>
-            <a:endParaRPr lang="en-SG" dirty="0"/>
-          </a:p>
-          <a:p>
-            <a:endParaRPr lang="en-US" dirty="0"/>
-          </a:p>
-          <a:p>
-            <a:endParaRPr lang="en-US" dirty="0"/>
-          </a:p>
-        </p:txBody>
-      </p:sp>
-    </p:spTree>
-    <p:extLst>
-      <p:ext uri="{BB962C8B-B14F-4D97-AF65-F5344CB8AC3E}">
-        <p14:creationId xmlns:p14="http://schemas.microsoft.com/office/powerpoint/2010/main" val="995857475"/>
-      </p:ext>
-    </p:extLst>
-  </p:cSld>
-  <p:clrMapOvr>
-    <a:masterClrMapping/>
-  </p:clrMapOvr>
-</p:sld>
-</file>
-
 <file path=ppt/slides/slide9.xml><?xml version="1.0" encoding="utf-8"?>
 <p:sld xmlns:a="http://schemas.openxmlformats.org/drawingml/2006/main" xmlns:r="http://schemas.openxmlformats.org/officeDocument/2006/relationships" xmlns:p="http://schemas.openxmlformats.org/presentationml/2006/main">
   <p:cSld>
@@ -10285,7 +10424,7 @@
           <p:cNvPr id="2" name="Title 1">
             <a:extLst>
               <a:ext uri="{FF2B5EF4-FFF2-40B4-BE49-F238E27FC236}">
-                <a16:creationId xmlns:a16="http://schemas.microsoft.com/office/drawing/2014/main" id="{149A4348-7BDF-CE34-164A-76F5D46C326B}"/>
+                <a16:creationId xmlns:a16="http://schemas.microsoft.com/office/drawing/2014/main" id="{CE92E254-8C2F-FD47-0AE1-452E757C8F1E}"/>
               </a:ext>
             </a:extLst>
           </p:cNvPr>
@@ -10296,35 +10435,12 @@
             <p:ph type="title"/>
           </p:nvPr>
         </p:nvSpPr>
-        <p:spPr/>
-        <p:txBody>
-          <a:bodyPr/>
-          <a:lstStyle/>
-          <a:p>
-            <a:r>
-              <a:rPr lang="en-SG" dirty="0"/>
-              <a:t>Summary</a:t>
-            </a:r>
-          </a:p>
-        </p:txBody>
-      </p:sp>
-      <p:sp>
-        <p:nvSpPr>
-          <p:cNvPr id="3" name="Content Placeholder 2">
-            <a:extLst>
-              <a:ext uri="{FF2B5EF4-FFF2-40B4-BE49-F238E27FC236}">
-                <a16:creationId xmlns:a16="http://schemas.microsoft.com/office/drawing/2014/main" id="{A3300CBC-C2F4-D468-28FD-011550B132CC}"/>
-              </a:ext>
-            </a:extLst>
-          </p:cNvPr>
-          <p:cNvSpPr>
-            <a:spLocks noGrp="1"/>
-          </p:cNvSpPr>
-          <p:nvPr>
-            <p:ph idx="1"/>
-          </p:nvPr>
-        </p:nvSpPr>
-        <p:spPr/>
+        <p:spPr>
+          <a:xfrm>
+            <a:off x="677334" y="609600"/>
+            <a:ext cx="9838266" cy="1320800"/>
+          </a:xfrm>
+        </p:spPr>
         <p:txBody>
           <a:bodyPr>
             <a:normAutofit/>
@@ -10332,34 +10448,83 @@
           <a:lstStyle/>
           <a:p>
             <a:r>
-              <a:rPr lang="en-US" dirty="0"/>
-              <a:t>States with very low SAT participation rates of 2-3%, are generally located at the Central Northern side of US.</a:t>
-            </a:r>
+              <a:rPr lang="en-SG" sz="3200" dirty="0"/>
+              <a:t>Trends – SAT Score vs Participation Rates (cont.)</a:t>
+            </a:r>
+          </a:p>
+        </p:txBody>
+      </p:sp>
+      <p:sp>
+        <p:nvSpPr>
+          <p:cNvPr id="4" name="Content Placeholder 2">
+            <a:extLst>
+              <a:ext uri="{FF2B5EF4-FFF2-40B4-BE49-F238E27FC236}">
+                <a16:creationId xmlns:a16="http://schemas.microsoft.com/office/drawing/2014/main" id="{05DC3CDC-7B59-2A8D-3E18-05CB8EFCAA70}"/>
+              </a:ext>
+            </a:extLst>
+          </p:cNvPr>
+          <p:cNvSpPr>
+            <a:spLocks noGrp="1"/>
+          </p:cNvSpPr>
+          <p:nvPr>
+            <p:ph idx="1"/>
+          </p:nvPr>
+        </p:nvSpPr>
+        <p:spPr>
+          <a:xfrm>
+            <a:off x="677334" y="2160589"/>
+            <a:ext cx="8596668" cy="3880773"/>
+          </a:xfrm>
+        </p:spPr>
+        <p:txBody>
+          <a:bodyPr>
+            <a:normAutofit/>
+          </a:bodyPr>
+          <a:lstStyle/>
+          <a:p>
+            <a:r>
+              <a:rPr lang="en-SG" dirty="0"/>
+              <a:t>What this means:</a:t>
+            </a:r>
+          </a:p>
+          <a:p>
+            <a:pPr lvl="1"/>
+            <a:r>
+              <a:rPr lang="en-SG" sz="1700" dirty="0"/>
+              <a:t>Higher participation rates means that a greater proportion of average college bound students are taking the SAT test, which lowers the average SAT scores.</a:t>
+            </a:r>
+          </a:p>
+          <a:p>
+            <a:pPr lvl="1"/>
+            <a:r>
+              <a:rPr lang="en-SG" sz="1700" dirty="0"/>
+              <a:t>States with high average SAT scores and low participation rates, could indicate that an average student from the state is less confident and willing to take the SAT test. </a:t>
+            </a:r>
+          </a:p>
+          <a:p>
+            <a:endParaRPr lang="en-SG" sz="1800" dirty="0"/>
+          </a:p>
+          <a:p>
+            <a:endParaRPr lang="en-SG" dirty="0"/>
+          </a:p>
+          <a:p>
+            <a:endParaRPr lang="en-SG" sz="1800" dirty="0"/>
+          </a:p>
+          <a:p>
+            <a:endParaRPr lang="en-SG" dirty="0"/>
           </a:p>
           <a:p>
             <a:endParaRPr lang="en-US" dirty="0"/>
           </a:p>
           <a:p>
-            <a:r>
-              <a:rPr lang="en-US" dirty="0"/>
-              <a:t>Low SAT participation rates could be linked to poor outreach, lesser SAT related resources in the state (e.g. test centers). </a:t>
-            </a:r>
-          </a:p>
-          <a:p>
-            <a:endParaRPr lang="en-SG" dirty="0"/>
-          </a:p>
-          <a:p>
-            <a:r>
-              <a:rPr lang="en-SG" dirty="0"/>
-              <a:t>A state’s SAT score to participation rate could be an indication on the confidence of an average student of a state to take the SAT test.</a:t>
-            </a:r>
+            <a:endParaRPr lang="en-US" dirty="0"/>
           </a:p>
         </p:txBody>
       </p:sp>
     </p:spTree>
     <p:extLst>
       <p:ext uri="{BB962C8B-B14F-4D97-AF65-F5344CB8AC3E}">
-        <p14:creationId xmlns:p14="http://schemas.microsoft.com/office/powerpoint/2010/main" val="433688731"/>
+        <p14:creationId xmlns:p14="http://schemas.microsoft.com/office/powerpoint/2010/main" val="995857475"/>
       </p:ext>
     </p:extLst>
   </p:cSld>
